--- a/Chào Lâm xồn.pptx
+++ b/Chào Lâm xồn.pptx
@@ -7,6 +7,8 @@
   <p:sldIdLst>
     <p:sldId id="256" r:id="rId2"/>
     <p:sldId id="257" r:id="rId3"/>
+    <p:sldId id="258" r:id="rId4"/>
+    <p:sldId id="259" r:id="rId5"/>
   </p:sldIdLst>
   <p:sldSz cx="9144000" cy="6858000" type="screen4x3"/>
   <p:notesSz cx="6858000" cy="9144000"/>
@@ -289,7 +291,7 @@
           <a:p>
             <a:fld id="{285AAD65-083E-422C-83E0-C597747C11C9}" type="datetimeFigureOut">
               <a:rPr lang="en-US" smtClean="0"/>
-              <a:t>30/11/2017</a:t>
+              <a:t>11/30/2017</a:t>
             </a:fld>
             <a:endParaRPr lang="en-US"/>
           </a:p>
@@ -459,7 +461,7 @@
           <a:p>
             <a:fld id="{285AAD65-083E-422C-83E0-C597747C11C9}" type="datetimeFigureOut">
               <a:rPr lang="en-US" smtClean="0"/>
-              <a:t>30/11/2017</a:t>
+              <a:t>11/30/2017</a:t>
             </a:fld>
             <a:endParaRPr lang="en-US"/>
           </a:p>
@@ -639,7 +641,7 @@
           <a:p>
             <a:fld id="{285AAD65-083E-422C-83E0-C597747C11C9}" type="datetimeFigureOut">
               <a:rPr lang="en-US" smtClean="0"/>
-              <a:t>30/11/2017</a:t>
+              <a:t>11/30/2017</a:t>
             </a:fld>
             <a:endParaRPr lang="en-US"/>
           </a:p>
@@ -809,7 +811,7 @@
           <a:p>
             <a:fld id="{285AAD65-083E-422C-83E0-C597747C11C9}" type="datetimeFigureOut">
               <a:rPr lang="en-US" smtClean="0"/>
-              <a:t>30/11/2017</a:t>
+              <a:t>11/30/2017</a:t>
             </a:fld>
             <a:endParaRPr lang="en-US"/>
           </a:p>
@@ -1055,7 +1057,7 @@
           <a:p>
             <a:fld id="{285AAD65-083E-422C-83E0-C597747C11C9}" type="datetimeFigureOut">
               <a:rPr lang="en-US" smtClean="0"/>
-              <a:t>30/11/2017</a:t>
+              <a:t>11/30/2017</a:t>
             </a:fld>
             <a:endParaRPr lang="en-US"/>
           </a:p>
@@ -1343,7 +1345,7 @@
           <a:p>
             <a:fld id="{285AAD65-083E-422C-83E0-C597747C11C9}" type="datetimeFigureOut">
               <a:rPr lang="en-US" smtClean="0"/>
-              <a:t>30/11/2017</a:t>
+              <a:t>11/30/2017</a:t>
             </a:fld>
             <a:endParaRPr lang="en-US"/>
           </a:p>
@@ -1765,7 +1767,7 @@
           <a:p>
             <a:fld id="{285AAD65-083E-422C-83E0-C597747C11C9}" type="datetimeFigureOut">
               <a:rPr lang="en-US" smtClean="0"/>
-              <a:t>30/11/2017</a:t>
+              <a:t>11/30/2017</a:t>
             </a:fld>
             <a:endParaRPr lang="en-US"/>
           </a:p>
@@ -1883,7 +1885,7 @@
           <a:p>
             <a:fld id="{285AAD65-083E-422C-83E0-C597747C11C9}" type="datetimeFigureOut">
               <a:rPr lang="en-US" smtClean="0"/>
-              <a:t>30/11/2017</a:t>
+              <a:t>11/30/2017</a:t>
             </a:fld>
             <a:endParaRPr lang="en-US"/>
           </a:p>
@@ -1978,7 +1980,7 @@
           <a:p>
             <a:fld id="{285AAD65-083E-422C-83E0-C597747C11C9}" type="datetimeFigureOut">
               <a:rPr lang="en-US" smtClean="0"/>
-              <a:t>30/11/2017</a:t>
+              <a:t>11/30/2017</a:t>
             </a:fld>
             <a:endParaRPr lang="en-US"/>
           </a:p>
@@ -2255,7 +2257,7 @@
           <a:p>
             <a:fld id="{285AAD65-083E-422C-83E0-C597747C11C9}" type="datetimeFigureOut">
               <a:rPr lang="en-US" smtClean="0"/>
-              <a:t>30/11/2017</a:t>
+              <a:t>11/30/2017</a:t>
             </a:fld>
             <a:endParaRPr lang="en-US"/>
           </a:p>
@@ -2508,7 +2510,7 @@
           <a:p>
             <a:fld id="{285AAD65-083E-422C-83E0-C597747C11C9}" type="datetimeFigureOut">
               <a:rPr lang="en-US" smtClean="0"/>
-              <a:t>30/11/2017</a:t>
+              <a:t>11/30/2017</a:t>
             </a:fld>
             <a:endParaRPr lang="en-US"/>
           </a:p>
@@ -2721,7 +2723,7 @@
           <a:p>
             <a:fld id="{285AAD65-083E-422C-83E0-C597747C11C9}" type="datetimeFigureOut">
               <a:rPr lang="en-US" smtClean="0"/>
-              <a:t>30/11/2017</a:t>
+              <a:t>11/30/2017</a:t>
             </a:fld>
             <a:endParaRPr lang="en-US"/>
           </a:p>
@@ -3223,7 +3225,11 @@
           <a:bodyPr/>
           <a:lstStyle/>
           <a:p>
-            <a:endParaRPr lang="en-US"/>
+            <a:r>
+              <a:rPr lang="en-US" dirty="0" err="1" smtClean="0"/>
+              <a:t>awdwdawdwd</a:t>
+            </a:r>
+            <a:endParaRPr lang="en-US" dirty="0"/>
           </a:p>
         </p:txBody>
       </p:sp>
@@ -3231,6 +3237,146 @@
     <p:extLst>
       <p:ext uri="{BB962C8B-B14F-4D97-AF65-F5344CB8AC3E}">
         <p14:creationId xmlns:p14="http://schemas.microsoft.com/office/powerpoint/2010/main" val="40471610"/>
+      </p:ext>
+    </p:extLst>
+  </p:cSld>
+  <p:clrMapOvr>
+    <a:masterClrMapping/>
+  </p:clrMapOvr>
+</p:sld>
+</file>
+
+<file path=ppt/slides/slide3.xml><?xml version="1.0" encoding="utf-8"?>
+<p:sld xmlns:a="http://schemas.openxmlformats.org/drawingml/2006/main" xmlns:r="http://schemas.openxmlformats.org/officeDocument/2006/relationships" xmlns:p="http://schemas.openxmlformats.org/presentationml/2006/main">
+  <p:cSld>
+    <p:spTree>
+      <p:nvGrpSpPr>
+        <p:cNvPr id="1" name=""/>
+        <p:cNvGrpSpPr/>
+        <p:nvPr/>
+      </p:nvGrpSpPr>
+      <p:grpSpPr>
+        <a:xfrm>
+          <a:off x="0" y="0"/>
+          <a:ext cx="0" cy="0"/>
+          <a:chOff x="0" y="0"/>
+          <a:chExt cx="0" cy="0"/>
+        </a:xfrm>
+      </p:grpSpPr>
+      <p:sp>
+        <p:nvSpPr>
+          <p:cNvPr id="2" name="Title 1"/>
+          <p:cNvSpPr>
+            <a:spLocks noGrp="1"/>
+          </p:cNvSpPr>
+          <p:nvPr>
+            <p:ph type="title"/>
+          </p:nvPr>
+        </p:nvSpPr>
+        <p:spPr/>
+        <p:txBody>
+          <a:bodyPr/>
+          <a:lstStyle/>
+          <a:p>
+            <a:endParaRPr lang="en-US"/>
+          </a:p>
+        </p:txBody>
+      </p:sp>
+      <p:sp>
+        <p:nvSpPr>
+          <p:cNvPr id="3" name="Content Placeholder 2"/>
+          <p:cNvSpPr>
+            <a:spLocks noGrp="1"/>
+          </p:cNvSpPr>
+          <p:nvPr>
+            <p:ph idx="1"/>
+          </p:nvPr>
+        </p:nvSpPr>
+        <p:spPr/>
+        <p:txBody>
+          <a:bodyPr/>
+          <a:lstStyle/>
+          <a:p>
+            <a:endParaRPr lang="en-US"/>
+          </a:p>
+        </p:txBody>
+      </p:sp>
+    </p:spTree>
+    <p:extLst>
+      <p:ext uri="{BB962C8B-B14F-4D97-AF65-F5344CB8AC3E}">
+        <p14:creationId xmlns:p14="http://schemas.microsoft.com/office/powerpoint/2010/main" val="3260491234"/>
+      </p:ext>
+    </p:extLst>
+  </p:cSld>
+  <p:clrMapOvr>
+    <a:masterClrMapping/>
+  </p:clrMapOvr>
+</p:sld>
+</file>
+
+<file path=ppt/slides/slide4.xml><?xml version="1.0" encoding="utf-8"?>
+<p:sld xmlns:a="http://schemas.openxmlformats.org/drawingml/2006/main" xmlns:r="http://schemas.openxmlformats.org/officeDocument/2006/relationships" xmlns:p="http://schemas.openxmlformats.org/presentationml/2006/main">
+  <p:cSld>
+    <p:spTree>
+      <p:nvGrpSpPr>
+        <p:cNvPr id="1" name=""/>
+        <p:cNvGrpSpPr/>
+        <p:nvPr/>
+      </p:nvGrpSpPr>
+      <p:grpSpPr>
+        <a:xfrm>
+          <a:off x="0" y="0"/>
+          <a:ext cx="0" cy="0"/>
+          <a:chOff x="0" y="0"/>
+          <a:chExt cx="0" cy="0"/>
+        </a:xfrm>
+      </p:grpSpPr>
+      <p:sp>
+        <p:nvSpPr>
+          <p:cNvPr id="2" name="Title 1"/>
+          <p:cNvSpPr>
+            <a:spLocks noGrp="1"/>
+          </p:cNvSpPr>
+          <p:nvPr>
+            <p:ph type="title"/>
+          </p:nvPr>
+        </p:nvSpPr>
+        <p:spPr/>
+        <p:txBody>
+          <a:bodyPr/>
+          <a:lstStyle/>
+          <a:p>
+            <a:r>
+              <a:rPr lang="en-US" smtClean="0"/>
+              <a:t>123132</a:t>
+            </a:r>
+            <a:endParaRPr lang="en-US"/>
+          </a:p>
+        </p:txBody>
+      </p:sp>
+      <p:sp>
+        <p:nvSpPr>
+          <p:cNvPr id="3" name="Content Placeholder 2"/>
+          <p:cNvSpPr>
+            <a:spLocks noGrp="1"/>
+          </p:cNvSpPr>
+          <p:nvPr>
+            <p:ph idx="1"/>
+          </p:nvPr>
+        </p:nvSpPr>
+        <p:spPr/>
+        <p:txBody>
+          <a:bodyPr/>
+          <a:lstStyle/>
+          <a:p>
+            <a:endParaRPr lang="en-US"/>
+          </a:p>
+        </p:txBody>
+      </p:sp>
+    </p:spTree>
+    <p:extLst>
+      <p:ext uri="{BB962C8B-B14F-4D97-AF65-F5344CB8AC3E}">
+        <p14:creationId xmlns:p14="http://schemas.microsoft.com/office/powerpoint/2010/main" val="4193858755"/>
       </p:ext>
     </p:extLst>
   </p:cSld>

--- a/Chào Lâm xồn.pptx
+++ b/Chào Lâm xồn.pptx
@@ -291,7 +291,7 @@
           <a:p>
             <a:fld id="{285AAD65-083E-422C-83E0-C597747C11C9}" type="datetimeFigureOut">
               <a:rPr lang="en-US" smtClean="0"/>
-              <a:t>30/11/2017</a:t>
+              <a:t>11/30/2017</a:t>
             </a:fld>
             <a:endParaRPr lang="en-US"/>
           </a:p>
@@ -461,7 +461,7 @@
           <a:p>
             <a:fld id="{285AAD65-083E-422C-83E0-C597747C11C9}" type="datetimeFigureOut">
               <a:rPr lang="en-US" smtClean="0"/>
-              <a:t>30/11/2017</a:t>
+              <a:t>11/30/2017</a:t>
             </a:fld>
             <a:endParaRPr lang="en-US"/>
           </a:p>
@@ -641,7 +641,7 @@
           <a:p>
             <a:fld id="{285AAD65-083E-422C-83E0-C597747C11C9}" type="datetimeFigureOut">
               <a:rPr lang="en-US" smtClean="0"/>
-              <a:t>30/11/2017</a:t>
+              <a:t>11/30/2017</a:t>
             </a:fld>
             <a:endParaRPr lang="en-US"/>
           </a:p>
@@ -811,7 +811,7 @@
           <a:p>
             <a:fld id="{285AAD65-083E-422C-83E0-C597747C11C9}" type="datetimeFigureOut">
               <a:rPr lang="en-US" smtClean="0"/>
-              <a:t>30/11/2017</a:t>
+              <a:t>11/30/2017</a:t>
             </a:fld>
             <a:endParaRPr lang="en-US"/>
           </a:p>
@@ -1057,7 +1057,7 @@
           <a:p>
             <a:fld id="{285AAD65-083E-422C-83E0-C597747C11C9}" type="datetimeFigureOut">
               <a:rPr lang="en-US" smtClean="0"/>
-              <a:t>30/11/2017</a:t>
+              <a:t>11/30/2017</a:t>
             </a:fld>
             <a:endParaRPr lang="en-US"/>
           </a:p>
@@ -1345,7 +1345,7 @@
           <a:p>
             <a:fld id="{285AAD65-083E-422C-83E0-C597747C11C9}" type="datetimeFigureOut">
               <a:rPr lang="en-US" smtClean="0"/>
-              <a:t>30/11/2017</a:t>
+              <a:t>11/30/2017</a:t>
             </a:fld>
             <a:endParaRPr lang="en-US"/>
           </a:p>
@@ -1767,7 +1767,7 @@
           <a:p>
             <a:fld id="{285AAD65-083E-422C-83E0-C597747C11C9}" type="datetimeFigureOut">
               <a:rPr lang="en-US" smtClean="0"/>
-              <a:t>30/11/2017</a:t>
+              <a:t>11/30/2017</a:t>
             </a:fld>
             <a:endParaRPr lang="en-US"/>
           </a:p>
@@ -1885,7 +1885,7 @@
           <a:p>
             <a:fld id="{285AAD65-083E-422C-83E0-C597747C11C9}" type="datetimeFigureOut">
               <a:rPr lang="en-US" smtClean="0"/>
-              <a:t>30/11/2017</a:t>
+              <a:t>11/30/2017</a:t>
             </a:fld>
             <a:endParaRPr lang="en-US"/>
           </a:p>
@@ -1980,7 +1980,7 @@
           <a:p>
             <a:fld id="{285AAD65-083E-422C-83E0-C597747C11C9}" type="datetimeFigureOut">
               <a:rPr lang="en-US" smtClean="0"/>
-              <a:t>30/11/2017</a:t>
+              <a:t>11/30/2017</a:t>
             </a:fld>
             <a:endParaRPr lang="en-US"/>
           </a:p>
@@ -2257,7 +2257,7 @@
           <a:p>
             <a:fld id="{285AAD65-083E-422C-83E0-C597747C11C9}" type="datetimeFigureOut">
               <a:rPr lang="en-US" smtClean="0"/>
-              <a:t>30/11/2017</a:t>
+              <a:t>11/30/2017</a:t>
             </a:fld>
             <a:endParaRPr lang="en-US"/>
           </a:p>
@@ -2510,7 +2510,7 @@
           <a:p>
             <a:fld id="{285AAD65-083E-422C-83E0-C597747C11C9}" type="datetimeFigureOut">
               <a:rPr lang="en-US" smtClean="0"/>
-              <a:t>30/11/2017</a:t>
+              <a:t>11/30/2017</a:t>
             </a:fld>
             <a:endParaRPr lang="en-US"/>
           </a:p>
@@ -2723,7 +2723,7 @@
           <a:p>
             <a:fld id="{285AAD65-083E-422C-83E0-C597747C11C9}" type="datetimeFigureOut">
               <a:rPr lang="en-US" smtClean="0"/>
-              <a:t>30/11/2017</a:t>
+              <a:t>11/30/2017</a:t>
             </a:fld>
             <a:endParaRPr lang="en-US"/>
           </a:p>
@@ -3153,6 +3153,26 @@
             <a:pPr marL="0" indent="0">
               <a:buNone/>
             </a:pPr>
+            <a:r>
+              <a:rPr lang="en-US" sz="2800" dirty="0" err="1" smtClean="0"/>
+              <a:t>Chào</a:t>
+            </a:r>
+            <a:r>
+              <a:rPr lang="en-US" sz="2800" dirty="0" smtClean="0"/>
+              <a:t> truey62n </a:t>
+            </a:r>
+            <a:r>
+              <a:rPr lang="en-US" sz="2800" dirty="0" err="1" smtClean="0"/>
+              <a:t>óc</a:t>
+            </a:r>
+            <a:r>
+              <a:rPr lang="en-US" sz="2800" dirty="0" smtClean="0"/>
+              <a:t> </a:t>
+            </a:r>
+            <a:r>
+              <a:rPr lang="en-US" sz="2800" smtClean="0"/>
+              <a:t>chó</a:t>
+            </a:r>
             <a:endParaRPr lang="en-US" sz="2800" smtClean="0"/>
           </a:p>
         </p:txBody>

--- a/Chào Lâm xồn.pptx
+++ b/Chào Lâm xồn.pptx
@@ -291,7 +291,7 @@
           <a:p>
             <a:fld id="{285AAD65-083E-422C-83E0-C597747C11C9}" type="datetimeFigureOut">
               <a:rPr lang="en-US" smtClean="0"/>
-              <a:t>11/30/2017</a:t>
+              <a:t>30/11/2017</a:t>
             </a:fld>
             <a:endParaRPr lang="en-US"/>
           </a:p>
@@ -461,7 +461,7 @@
           <a:p>
             <a:fld id="{285AAD65-083E-422C-83E0-C597747C11C9}" type="datetimeFigureOut">
               <a:rPr lang="en-US" smtClean="0"/>
-              <a:t>11/30/2017</a:t>
+              <a:t>30/11/2017</a:t>
             </a:fld>
             <a:endParaRPr lang="en-US"/>
           </a:p>
@@ -641,7 +641,7 @@
           <a:p>
             <a:fld id="{285AAD65-083E-422C-83E0-C597747C11C9}" type="datetimeFigureOut">
               <a:rPr lang="en-US" smtClean="0"/>
-              <a:t>11/30/2017</a:t>
+              <a:t>30/11/2017</a:t>
             </a:fld>
             <a:endParaRPr lang="en-US"/>
           </a:p>
@@ -811,7 +811,7 @@
           <a:p>
             <a:fld id="{285AAD65-083E-422C-83E0-C597747C11C9}" type="datetimeFigureOut">
               <a:rPr lang="en-US" smtClean="0"/>
-              <a:t>11/30/2017</a:t>
+              <a:t>30/11/2017</a:t>
             </a:fld>
             <a:endParaRPr lang="en-US"/>
           </a:p>
@@ -1057,7 +1057,7 @@
           <a:p>
             <a:fld id="{285AAD65-083E-422C-83E0-C597747C11C9}" type="datetimeFigureOut">
               <a:rPr lang="en-US" smtClean="0"/>
-              <a:t>11/30/2017</a:t>
+              <a:t>30/11/2017</a:t>
             </a:fld>
             <a:endParaRPr lang="en-US"/>
           </a:p>
@@ -1345,7 +1345,7 @@
           <a:p>
             <a:fld id="{285AAD65-083E-422C-83E0-C597747C11C9}" type="datetimeFigureOut">
               <a:rPr lang="en-US" smtClean="0"/>
-              <a:t>11/30/2017</a:t>
+              <a:t>30/11/2017</a:t>
             </a:fld>
             <a:endParaRPr lang="en-US"/>
           </a:p>
@@ -1767,7 +1767,7 @@
           <a:p>
             <a:fld id="{285AAD65-083E-422C-83E0-C597747C11C9}" type="datetimeFigureOut">
               <a:rPr lang="en-US" smtClean="0"/>
-              <a:t>11/30/2017</a:t>
+              <a:t>30/11/2017</a:t>
             </a:fld>
             <a:endParaRPr lang="en-US"/>
           </a:p>
@@ -1885,7 +1885,7 @@
           <a:p>
             <a:fld id="{285AAD65-083E-422C-83E0-C597747C11C9}" type="datetimeFigureOut">
               <a:rPr lang="en-US" smtClean="0"/>
-              <a:t>11/30/2017</a:t>
+              <a:t>30/11/2017</a:t>
             </a:fld>
             <a:endParaRPr lang="en-US"/>
           </a:p>
@@ -1980,7 +1980,7 @@
           <a:p>
             <a:fld id="{285AAD65-083E-422C-83E0-C597747C11C9}" type="datetimeFigureOut">
               <a:rPr lang="en-US" smtClean="0"/>
-              <a:t>11/30/2017</a:t>
+              <a:t>30/11/2017</a:t>
             </a:fld>
             <a:endParaRPr lang="en-US"/>
           </a:p>
@@ -2257,7 +2257,7 @@
           <a:p>
             <a:fld id="{285AAD65-083E-422C-83E0-C597747C11C9}" type="datetimeFigureOut">
               <a:rPr lang="en-US" smtClean="0"/>
-              <a:t>11/30/2017</a:t>
+              <a:t>30/11/2017</a:t>
             </a:fld>
             <a:endParaRPr lang="en-US"/>
           </a:p>
@@ -2510,7 +2510,7 @@
           <a:p>
             <a:fld id="{285AAD65-083E-422C-83E0-C597747C11C9}" type="datetimeFigureOut">
               <a:rPr lang="en-US" smtClean="0"/>
-              <a:t>11/30/2017</a:t>
+              <a:t>30/11/2017</a:t>
             </a:fld>
             <a:endParaRPr lang="en-US"/>
           </a:p>
@@ -2723,7 +2723,7 @@
           <a:p>
             <a:fld id="{285AAD65-083E-422C-83E0-C597747C11C9}" type="datetimeFigureOut">
               <a:rPr lang="en-US" smtClean="0"/>
-              <a:t>11/30/2017</a:t>
+              <a:t>30/11/2017</a:t>
             </a:fld>
             <a:endParaRPr lang="en-US"/>
           </a:p>
@@ -3153,26 +3153,6 @@
             <a:pPr marL="0" indent="0">
               <a:buNone/>
             </a:pPr>
-            <a:r>
-              <a:rPr lang="en-US" sz="2800" dirty="0" err="1" smtClean="0"/>
-              <a:t>Chào</a:t>
-            </a:r>
-            <a:r>
-              <a:rPr lang="en-US" sz="2800" dirty="0" smtClean="0"/>
-              <a:t> truey62n </a:t>
-            </a:r>
-            <a:r>
-              <a:rPr lang="en-US" sz="2800" dirty="0" err="1" smtClean="0"/>
-              <a:t>óc</a:t>
-            </a:r>
-            <a:r>
-              <a:rPr lang="en-US" sz="2800" dirty="0" smtClean="0"/>
-              <a:t> </a:t>
-            </a:r>
-            <a:r>
-              <a:rPr lang="en-US" sz="2800" smtClean="0"/>
-              <a:t>chó</a:t>
-            </a:r>
             <a:endParaRPr lang="en-US" sz="2800" smtClean="0"/>
           </a:p>
         </p:txBody>

--- a/Chào Lâm xồn.pptx
+++ b/Chào Lâm xồn.pptx
@@ -288,7 +288,7 @@
           <a:p>
             <a:fld id="{285AAD65-083E-422C-83E0-C597747C11C9}" type="datetimeFigureOut">
               <a:rPr lang="en-US" smtClean="0"/>
-              <a:t>30/11/2017</a:t>
+              <a:t>11/30/2017</a:t>
             </a:fld>
             <a:endParaRPr lang="en-US"/>
           </a:p>
@@ -458,7 +458,7 @@
           <a:p>
             <a:fld id="{285AAD65-083E-422C-83E0-C597747C11C9}" type="datetimeFigureOut">
               <a:rPr lang="en-US" smtClean="0"/>
-              <a:t>30/11/2017</a:t>
+              <a:t>11/30/2017</a:t>
             </a:fld>
             <a:endParaRPr lang="en-US"/>
           </a:p>
@@ -638,7 +638,7 @@
           <a:p>
             <a:fld id="{285AAD65-083E-422C-83E0-C597747C11C9}" type="datetimeFigureOut">
               <a:rPr lang="en-US" smtClean="0"/>
-              <a:t>30/11/2017</a:t>
+              <a:t>11/30/2017</a:t>
             </a:fld>
             <a:endParaRPr lang="en-US"/>
           </a:p>
@@ -808,7 +808,7 @@
           <a:p>
             <a:fld id="{285AAD65-083E-422C-83E0-C597747C11C9}" type="datetimeFigureOut">
               <a:rPr lang="en-US" smtClean="0"/>
-              <a:t>30/11/2017</a:t>
+              <a:t>11/30/2017</a:t>
             </a:fld>
             <a:endParaRPr lang="en-US"/>
           </a:p>
@@ -1054,7 +1054,7 @@
           <a:p>
             <a:fld id="{285AAD65-083E-422C-83E0-C597747C11C9}" type="datetimeFigureOut">
               <a:rPr lang="en-US" smtClean="0"/>
-              <a:t>30/11/2017</a:t>
+              <a:t>11/30/2017</a:t>
             </a:fld>
             <a:endParaRPr lang="en-US"/>
           </a:p>
@@ -1342,7 +1342,7 @@
           <a:p>
             <a:fld id="{285AAD65-083E-422C-83E0-C597747C11C9}" type="datetimeFigureOut">
               <a:rPr lang="en-US" smtClean="0"/>
-              <a:t>30/11/2017</a:t>
+              <a:t>11/30/2017</a:t>
             </a:fld>
             <a:endParaRPr lang="en-US"/>
           </a:p>
@@ -1764,7 +1764,7 @@
           <a:p>
             <a:fld id="{285AAD65-083E-422C-83E0-C597747C11C9}" type="datetimeFigureOut">
               <a:rPr lang="en-US" smtClean="0"/>
-              <a:t>30/11/2017</a:t>
+              <a:t>11/30/2017</a:t>
             </a:fld>
             <a:endParaRPr lang="en-US"/>
           </a:p>
@@ -1882,7 +1882,7 @@
           <a:p>
             <a:fld id="{285AAD65-083E-422C-83E0-C597747C11C9}" type="datetimeFigureOut">
               <a:rPr lang="en-US" smtClean="0"/>
-              <a:t>30/11/2017</a:t>
+              <a:t>11/30/2017</a:t>
             </a:fld>
             <a:endParaRPr lang="en-US"/>
           </a:p>
@@ -1977,7 +1977,7 @@
           <a:p>
             <a:fld id="{285AAD65-083E-422C-83E0-C597747C11C9}" type="datetimeFigureOut">
               <a:rPr lang="en-US" smtClean="0"/>
-              <a:t>30/11/2017</a:t>
+              <a:t>11/30/2017</a:t>
             </a:fld>
             <a:endParaRPr lang="en-US"/>
           </a:p>
@@ -2254,7 +2254,7 @@
           <a:p>
             <a:fld id="{285AAD65-083E-422C-83E0-C597747C11C9}" type="datetimeFigureOut">
               <a:rPr lang="en-US" smtClean="0"/>
-              <a:t>30/11/2017</a:t>
+              <a:t>11/30/2017</a:t>
             </a:fld>
             <a:endParaRPr lang="en-US"/>
           </a:p>
@@ -2507,7 +2507,7 @@
           <a:p>
             <a:fld id="{285AAD65-083E-422C-83E0-C597747C11C9}" type="datetimeFigureOut">
               <a:rPr lang="en-US" smtClean="0"/>
-              <a:t>30/11/2017</a:t>
+              <a:t>11/30/2017</a:t>
             </a:fld>
             <a:endParaRPr lang="en-US"/>
           </a:p>
@@ -2720,7 +2720,7 @@
           <a:p>
             <a:fld id="{285AAD65-083E-422C-83E0-C597747C11C9}" type="datetimeFigureOut">
               <a:rPr lang="en-US" smtClean="0"/>
-              <a:t>30/11/2017</a:t>
+              <a:t>11/30/2017</a:t>
             </a:fld>
             <a:endParaRPr lang="en-US"/>
           </a:p>
@@ -3154,10 +3154,91 @@
               <a:rPr lang="en-US" sz="2800" smtClean="0"/>
               <a:t>Hihi chào nhé</a:t>
             </a:r>
-            <a:endParaRPr lang="en-US" sz="2800" smtClean="0"/>
-          </a:p>
-        </p:txBody>
-      </p:sp>
+          </a:p>
+        </p:txBody>
+      </p:sp>
+      <p:pic>
+        <p:nvPicPr>
+          <p:cNvPr id="1026" name="Picture 2" descr="C:\Program Files\Microsoft Office\MEDIA\CAGCAT10\j0149481.wmf"/>
+          <p:cNvPicPr>
+            <a:picLocks noChangeAspect="1" noChangeArrowheads="1"/>
+          </p:cNvPicPr>
+          <p:nvPr/>
+        </p:nvPicPr>
+        <p:blipFill>
+          <a:blip r:embed="rId2" cstate="print">
+            <a:extLst>
+              <a:ext uri="{28A0092B-C50C-407E-A947-70E740481C1C}">
+                <a14:useLocalDpi xmlns:a14="http://schemas.microsoft.com/office/drawing/2010/main" val="0"/>
+              </a:ext>
+            </a:extLst>
+          </a:blip>
+          <a:srcRect/>
+          <a:stretch>
+            <a:fillRect/>
+          </a:stretch>
+        </p:blipFill>
+        <p:spPr bwMode="auto">
+          <a:xfrm>
+            <a:off x="3499919" y="2339566"/>
+            <a:ext cx="2144162" cy="2178867"/>
+          </a:xfrm>
+          <a:prstGeom prst="rect">
+            <a:avLst/>
+          </a:prstGeom>
+          <a:noFill/>
+          <a:extLst>
+            <a:ext uri="{909E8E84-426E-40DD-AFC4-6F175D3DCCD1}">
+              <a14:hiddenFill xmlns:a14="http://schemas.microsoft.com/office/drawing/2010/main">
+                <a:solidFill>
+                  <a:srgbClr val="FFFFFF"/>
+                </a:solidFill>
+              </a14:hiddenFill>
+            </a:ext>
+          </a:extLst>
+        </p:spPr>
+      </p:pic>
+      <p:pic>
+        <p:nvPicPr>
+          <p:cNvPr id="1027" name="Picture 3" descr="C:\Program Files\Microsoft Office\MEDIA\CAGCAT10\j0149887.wmf"/>
+          <p:cNvPicPr>
+            <a:picLocks noChangeAspect="1" noChangeArrowheads="1"/>
+          </p:cNvPicPr>
+          <p:nvPr/>
+        </p:nvPicPr>
+        <p:blipFill>
+          <a:blip r:embed="rId3" cstate="print">
+            <a:extLst>
+              <a:ext uri="{28A0092B-C50C-407E-A947-70E740481C1C}">
+                <a14:useLocalDpi xmlns:a14="http://schemas.microsoft.com/office/drawing/2010/main" val="0"/>
+              </a:ext>
+            </a:extLst>
+          </a:blip>
+          <a:srcRect/>
+          <a:stretch>
+            <a:fillRect/>
+          </a:stretch>
+        </p:blipFill>
+        <p:spPr bwMode="auto">
+          <a:xfrm>
+            <a:off x="5943600" y="2133600"/>
+            <a:ext cx="1268994" cy="1015497"/>
+          </a:xfrm>
+          <a:prstGeom prst="rect">
+            <a:avLst/>
+          </a:prstGeom>
+          <a:noFill/>
+          <a:extLst>
+            <a:ext uri="{909E8E84-426E-40DD-AFC4-6F175D3DCCD1}">
+              <a14:hiddenFill xmlns:a14="http://schemas.microsoft.com/office/drawing/2010/main">
+                <a:solidFill>
+                  <a:srgbClr val="FFFFFF"/>
+                </a:solidFill>
+              </a14:hiddenFill>
+            </a:ext>
+          </a:extLst>
+        </p:spPr>
+      </p:pic>
     </p:spTree>
     <p:extLst>
       <p:ext uri="{BB962C8B-B14F-4D97-AF65-F5344CB8AC3E}">

--- a/Chào Lâm xồn.pptx
+++ b/Chào Lâm xồn.pptx
@@ -291,7 +291,7 @@
           <a:p>
             <a:fld id="{285AAD65-083E-422C-83E0-C597747C11C9}" type="datetimeFigureOut">
               <a:rPr lang="en-US" smtClean="0"/>
-              <a:t>11/30/2017</a:t>
+              <a:t>30/11/2017</a:t>
             </a:fld>
             <a:endParaRPr lang="en-US"/>
           </a:p>
@@ -461,7 +461,7 @@
           <a:p>
             <a:fld id="{285AAD65-083E-422C-83E0-C597747C11C9}" type="datetimeFigureOut">
               <a:rPr lang="en-US" smtClean="0"/>
-              <a:t>11/30/2017</a:t>
+              <a:t>30/11/2017</a:t>
             </a:fld>
             <a:endParaRPr lang="en-US"/>
           </a:p>
@@ -641,7 +641,7 @@
           <a:p>
             <a:fld id="{285AAD65-083E-422C-83E0-C597747C11C9}" type="datetimeFigureOut">
               <a:rPr lang="en-US" smtClean="0"/>
-              <a:t>11/30/2017</a:t>
+              <a:t>30/11/2017</a:t>
             </a:fld>
             <a:endParaRPr lang="en-US"/>
           </a:p>
@@ -811,7 +811,7 @@
           <a:p>
             <a:fld id="{285AAD65-083E-422C-83E0-C597747C11C9}" type="datetimeFigureOut">
               <a:rPr lang="en-US" smtClean="0"/>
-              <a:t>11/30/2017</a:t>
+              <a:t>30/11/2017</a:t>
             </a:fld>
             <a:endParaRPr lang="en-US"/>
           </a:p>
@@ -1057,7 +1057,7 @@
           <a:p>
             <a:fld id="{285AAD65-083E-422C-83E0-C597747C11C9}" type="datetimeFigureOut">
               <a:rPr lang="en-US" smtClean="0"/>
-              <a:t>11/30/2017</a:t>
+              <a:t>30/11/2017</a:t>
             </a:fld>
             <a:endParaRPr lang="en-US"/>
           </a:p>
@@ -1345,7 +1345,7 @@
           <a:p>
             <a:fld id="{285AAD65-083E-422C-83E0-C597747C11C9}" type="datetimeFigureOut">
               <a:rPr lang="en-US" smtClean="0"/>
-              <a:t>11/30/2017</a:t>
+              <a:t>30/11/2017</a:t>
             </a:fld>
             <a:endParaRPr lang="en-US"/>
           </a:p>
@@ -1767,7 +1767,7 @@
           <a:p>
             <a:fld id="{285AAD65-083E-422C-83E0-C597747C11C9}" type="datetimeFigureOut">
               <a:rPr lang="en-US" smtClean="0"/>
-              <a:t>11/30/2017</a:t>
+              <a:t>30/11/2017</a:t>
             </a:fld>
             <a:endParaRPr lang="en-US"/>
           </a:p>
@@ -1885,7 +1885,7 @@
           <a:p>
             <a:fld id="{285AAD65-083E-422C-83E0-C597747C11C9}" type="datetimeFigureOut">
               <a:rPr lang="en-US" smtClean="0"/>
-              <a:t>11/30/2017</a:t>
+              <a:t>30/11/2017</a:t>
             </a:fld>
             <a:endParaRPr lang="en-US"/>
           </a:p>
@@ -1980,7 +1980,7 @@
           <a:p>
             <a:fld id="{285AAD65-083E-422C-83E0-C597747C11C9}" type="datetimeFigureOut">
               <a:rPr lang="en-US" smtClean="0"/>
-              <a:t>11/30/2017</a:t>
+              <a:t>30/11/2017</a:t>
             </a:fld>
             <a:endParaRPr lang="en-US"/>
           </a:p>
@@ -2257,7 +2257,7 @@
           <a:p>
             <a:fld id="{285AAD65-083E-422C-83E0-C597747C11C9}" type="datetimeFigureOut">
               <a:rPr lang="en-US" smtClean="0"/>
-              <a:t>11/30/2017</a:t>
+              <a:t>30/11/2017</a:t>
             </a:fld>
             <a:endParaRPr lang="en-US"/>
           </a:p>
@@ -2510,7 +2510,7 @@
           <a:p>
             <a:fld id="{285AAD65-083E-422C-83E0-C597747C11C9}" type="datetimeFigureOut">
               <a:rPr lang="en-US" smtClean="0"/>
-              <a:t>11/30/2017</a:t>
+              <a:t>30/11/2017</a:t>
             </a:fld>
             <a:endParaRPr lang="en-US"/>
           </a:p>
@@ -2723,7 +2723,7 @@
           <a:p>
             <a:fld id="{285AAD65-083E-422C-83E0-C597747C11C9}" type="datetimeFigureOut">
               <a:rPr lang="en-US" smtClean="0"/>
-              <a:t>11/30/2017</a:t>
+              <a:t>30/11/2017</a:t>
             </a:fld>
             <a:endParaRPr lang="en-US"/>
           </a:p>
@@ -3369,6 +3369,10 @@
           <a:bodyPr/>
           <a:lstStyle/>
           <a:p>
+            <a:r>
+              <a:rPr lang="en-US" smtClean="0"/>
+              <a:t>Xàm lồn chứ hay</a:t>
+            </a:r>
             <a:endParaRPr lang="en-US"/>
           </a:p>
         </p:txBody>

--- a/Chào Lâm xồn.pptx
+++ b/Chào Lâm xồn.pptx
@@ -6,9 +6,6 @@
   </p:sldMasterIdLst>
   <p:sldIdLst>
     <p:sldId id="256" r:id="rId2"/>
-    <p:sldId id="257" r:id="rId3"/>
-    <p:sldId id="258" r:id="rId4"/>
-    <p:sldId id="259" r:id="rId5"/>
   </p:sldIdLst>
   <p:sldSz cx="9144000" cy="6858000" type="screen4x3"/>
   <p:notesSz cx="6858000" cy="9144000"/>
@@ -291,7 +288,7 @@
           <a:p>
             <a:fld id="{285AAD65-083E-422C-83E0-C597747C11C9}" type="datetimeFigureOut">
               <a:rPr lang="en-US" smtClean="0"/>
-              <a:t>11/30/2017</a:t>
+              <a:t>30/11/2017</a:t>
             </a:fld>
             <a:endParaRPr lang="en-US"/>
           </a:p>
@@ -461,7 +458,7 @@
           <a:p>
             <a:fld id="{285AAD65-083E-422C-83E0-C597747C11C9}" type="datetimeFigureOut">
               <a:rPr lang="en-US" smtClean="0"/>
-              <a:t>11/30/2017</a:t>
+              <a:t>30/11/2017</a:t>
             </a:fld>
             <a:endParaRPr lang="en-US"/>
           </a:p>
@@ -641,7 +638,7 @@
           <a:p>
             <a:fld id="{285AAD65-083E-422C-83E0-C597747C11C9}" type="datetimeFigureOut">
               <a:rPr lang="en-US" smtClean="0"/>
-              <a:t>11/30/2017</a:t>
+              <a:t>30/11/2017</a:t>
             </a:fld>
             <a:endParaRPr lang="en-US"/>
           </a:p>
@@ -811,7 +808,7 @@
           <a:p>
             <a:fld id="{285AAD65-083E-422C-83E0-C597747C11C9}" type="datetimeFigureOut">
               <a:rPr lang="en-US" smtClean="0"/>
-              <a:t>11/30/2017</a:t>
+              <a:t>30/11/2017</a:t>
             </a:fld>
             <a:endParaRPr lang="en-US"/>
           </a:p>
@@ -1057,7 +1054,7 @@
           <a:p>
             <a:fld id="{285AAD65-083E-422C-83E0-C597747C11C9}" type="datetimeFigureOut">
               <a:rPr lang="en-US" smtClean="0"/>
-              <a:t>11/30/2017</a:t>
+              <a:t>30/11/2017</a:t>
             </a:fld>
             <a:endParaRPr lang="en-US"/>
           </a:p>
@@ -1345,7 +1342,7 @@
           <a:p>
             <a:fld id="{285AAD65-083E-422C-83E0-C597747C11C9}" type="datetimeFigureOut">
               <a:rPr lang="en-US" smtClean="0"/>
-              <a:t>11/30/2017</a:t>
+              <a:t>30/11/2017</a:t>
             </a:fld>
             <a:endParaRPr lang="en-US"/>
           </a:p>
@@ -1767,7 +1764,7 @@
           <a:p>
             <a:fld id="{285AAD65-083E-422C-83E0-C597747C11C9}" type="datetimeFigureOut">
               <a:rPr lang="en-US" smtClean="0"/>
-              <a:t>11/30/2017</a:t>
+              <a:t>30/11/2017</a:t>
             </a:fld>
             <a:endParaRPr lang="en-US"/>
           </a:p>
@@ -1885,7 +1882,7 @@
           <a:p>
             <a:fld id="{285AAD65-083E-422C-83E0-C597747C11C9}" type="datetimeFigureOut">
               <a:rPr lang="en-US" smtClean="0"/>
-              <a:t>11/30/2017</a:t>
+              <a:t>30/11/2017</a:t>
             </a:fld>
             <a:endParaRPr lang="en-US"/>
           </a:p>
@@ -1980,7 +1977,7 @@
           <a:p>
             <a:fld id="{285AAD65-083E-422C-83E0-C597747C11C9}" type="datetimeFigureOut">
               <a:rPr lang="en-US" smtClean="0"/>
-              <a:t>11/30/2017</a:t>
+              <a:t>30/11/2017</a:t>
             </a:fld>
             <a:endParaRPr lang="en-US"/>
           </a:p>
@@ -2257,7 +2254,7 @@
           <a:p>
             <a:fld id="{285AAD65-083E-422C-83E0-C597747C11C9}" type="datetimeFigureOut">
               <a:rPr lang="en-US" smtClean="0"/>
-              <a:t>11/30/2017</a:t>
+              <a:t>30/11/2017</a:t>
             </a:fld>
             <a:endParaRPr lang="en-US"/>
           </a:p>
@@ -2510,7 +2507,7 @@
           <a:p>
             <a:fld id="{285AAD65-083E-422C-83E0-C597747C11C9}" type="datetimeFigureOut">
               <a:rPr lang="en-US" smtClean="0"/>
-              <a:t>11/30/2017</a:t>
+              <a:t>30/11/2017</a:t>
             </a:fld>
             <a:endParaRPr lang="en-US"/>
           </a:p>
@@ -2723,7 +2720,7 @@
           <a:p>
             <a:fld id="{285AAD65-083E-422C-83E0-C597747C11C9}" type="datetimeFigureOut">
               <a:rPr lang="en-US" smtClean="0"/>
-              <a:t>11/30/2017</a:t>
+              <a:t>30/11/2017</a:t>
             </a:fld>
             <a:endParaRPr lang="en-US"/>
           </a:p>
@@ -3154,24 +3151,31 @@
               <a:buNone/>
             </a:pPr>
             <a:r>
-              <a:rPr lang="en-US" sz="2800" dirty="0" err="1" smtClean="0"/>
+              <a:rPr lang="en-US" sz="2800" err="1" smtClean="0"/>
               <a:t>Chào</a:t>
             </a:r>
             <a:r>
-              <a:rPr lang="en-US" sz="2800" dirty="0" smtClean="0"/>
-              <a:t> truey62n </a:t>
-            </a:r>
-            <a:r>
-              <a:rPr lang="en-US" sz="2800" dirty="0" err="1" smtClean="0"/>
-              <a:t>óc</a:t>
-            </a:r>
-            <a:r>
-              <a:rPr lang="en-US" sz="2800" dirty="0" smtClean="0"/>
+              <a:rPr lang="en-US" sz="2800" smtClean="0"/>
               <a:t> </a:t>
             </a:r>
             <a:r>
               <a:rPr lang="en-US" sz="2800" smtClean="0"/>
-              <a:t>chó</a:t>
+              <a:t>truyềnn đẹp trai</a:t>
+            </a:r>
+          </a:p>
+          <a:p>
+            <a:pPr marL="0" indent="0">
+              <a:buNone/>
+            </a:pPr>
+            <a:r>
+              <a:rPr lang="en-US" sz="2800" smtClean="0"/>
+              <a:t>- Chú là ai , cháu không biết , chú đi ra đi </a:t>
+            </a:r>
+            <a:r>
+              <a:rPr lang="en-US" sz="2800" smtClean="0">
+                <a:sym typeface="Wingdings" pitchFamily="2" charset="2"/>
+              </a:rPr>
+              <a:t></a:t>
             </a:r>
             <a:endParaRPr lang="en-US" sz="2800" smtClean="0"/>
           </a:p>
@@ -3181,226 +3185,6 @@
     <p:extLst>
       <p:ext uri="{BB962C8B-B14F-4D97-AF65-F5344CB8AC3E}">
         <p14:creationId xmlns:p14="http://schemas.microsoft.com/office/powerpoint/2010/main" val="2551785061"/>
-      </p:ext>
-    </p:extLst>
-  </p:cSld>
-  <p:clrMapOvr>
-    <a:masterClrMapping/>
-  </p:clrMapOvr>
-</p:sld>
-</file>
-
-<file path=ppt/slides/slide2.xml><?xml version="1.0" encoding="utf-8"?>
-<p:sld xmlns:a="http://schemas.openxmlformats.org/drawingml/2006/main" xmlns:r="http://schemas.openxmlformats.org/officeDocument/2006/relationships" xmlns:p="http://schemas.openxmlformats.org/presentationml/2006/main">
-  <p:cSld>
-    <p:spTree>
-      <p:nvGrpSpPr>
-        <p:cNvPr id="1" name=""/>
-        <p:cNvGrpSpPr/>
-        <p:nvPr/>
-      </p:nvGrpSpPr>
-      <p:grpSpPr>
-        <a:xfrm>
-          <a:off x="0" y="0"/>
-          <a:ext cx="0" cy="0"/>
-          <a:chOff x="0" y="0"/>
-          <a:chExt cx="0" cy="0"/>
-        </a:xfrm>
-      </p:grpSpPr>
-      <p:sp>
-        <p:nvSpPr>
-          <p:cNvPr id="2" name="Title 1"/>
-          <p:cNvSpPr>
-            <a:spLocks noGrp="1"/>
-          </p:cNvSpPr>
-          <p:nvPr>
-            <p:ph type="ctrTitle"/>
-          </p:nvPr>
-        </p:nvSpPr>
-        <p:spPr/>
-        <p:txBody>
-          <a:bodyPr/>
-          <a:lstStyle/>
-          <a:p>
-            <a:r>
-              <a:rPr lang="en-US" smtClean="0"/>
-              <a:t>                   </a:t>
-            </a:r>
-            <a:endParaRPr lang="en-US"/>
-          </a:p>
-        </p:txBody>
-      </p:sp>
-      <p:sp>
-        <p:nvSpPr>
-          <p:cNvPr id="3" name="Subtitle 2"/>
-          <p:cNvSpPr>
-            <a:spLocks noGrp="1"/>
-          </p:cNvSpPr>
-          <p:nvPr>
-            <p:ph type="subTitle" idx="1"/>
-          </p:nvPr>
-        </p:nvSpPr>
-        <p:spPr/>
-        <p:txBody>
-          <a:bodyPr/>
-          <a:lstStyle/>
-          <a:p>
-            <a:r>
-              <a:rPr lang="en-US" dirty="0" err="1" smtClean="0"/>
-              <a:t>awdwdawdwd</a:t>
-            </a:r>
-            <a:endParaRPr lang="en-US" dirty="0"/>
-          </a:p>
-        </p:txBody>
-      </p:sp>
-    </p:spTree>
-    <p:extLst>
-      <p:ext uri="{BB962C8B-B14F-4D97-AF65-F5344CB8AC3E}">
-        <p14:creationId xmlns:p14="http://schemas.microsoft.com/office/powerpoint/2010/main" val="40471610"/>
-      </p:ext>
-    </p:extLst>
-  </p:cSld>
-  <p:clrMapOvr>
-    <a:masterClrMapping/>
-  </p:clrMapOvr>
-</p:sld>
-</file>
-
-<file path=ppt/slides/slide3.xml><?xml version="1.0" encoding="utf-8"?>
-<p:sld xmlns:a="http://schemas.openxmlformats.org/drawingml/2006/main" xmlns:r="http://schemas.openxmlformats.org/officeDocument/2006/relationships" xmlns:p="http://schemas.openxmlformats.org/presentationml/2006/main">
-  <p:cSld>
-    <p:spTree>
-      <p:nvGrpSpPr>
-        <p:cNvPr id="1" name=""/>
-        <p:cNvGrpSpPr/>
-        <p:nvPr/>
-      </p:nvGrpSpPr>
-      <p:grpSpPr>
-        <a:xfrm>
-          <a:off x="0" y="0"/>
-          <a:ext cx="0" cy="0"/>
-          <a:chOff x="0" y="0"/>
-          <a:chExt cx="0" cy="0"/>
-        </a:xfrm>
-      </p:grpSpPr>
-      <p:sp>
-        <p:nvSpPr>
-          <p:cNvPr id="2" name="Title 1"/>
-          <p:cNvSpPr>
-            <a:spLocks noGrp="1"/>
-          </p:cNvSpPr>
-          <p:nvPr>
-            <p:ph type="title"/>
-          </p:nvPr>
-        </p:nvSpPr>
-        <p:spPr/>
-        <p:txBody>
-          <a:bodyPr/>
-          <a:lstStyle/>
-          <a:p>
-            <a:endParaRPr lang="en-US"/>
-          </a:p>
-        </p:txBody>
-      </p:sp>
-      <p:sp>
-        <p:nvSpPr>
-          <p:cNvPr id="3" name="Content Placeholder 2"/>
-          <p:cNvSpPr>
-            <a:spLocks noGrp="1"/>
-          </p:cNvSpPr>
-          <p:nvPr>
-            <p:ph idx="1"/>
-          </p:nvPr>
-        </p:nvSpPr>
-        <p:spPr/>
-        <p:txBody>
-          <a:bodyPr/>
-          <a:lstStyle/>
-          <a:p>
-            <a:endParaRPr lang="en-US"/>
-          </a:p>
-        </p:txBody>
-      </p:sp>
-    </p:spTree>
-    <p:extLst>
-      <p:ext uri="{BB962C8B-B14F-4D97-AF65-F5344CB8AC3E}">
-        <p14:creationId xmlns:p14="http://schemas.microsoft.com/office/powerpoint/2010/main" val="3260491234"/>
-      </p:ext>
-    </p:extLst>
-  </p:cSld>
-  <p:clrMapOvr>
-    <a:masterClrMapping/>
-  </p:clrMapOvr>
-</p:sld>
-</file>
-
-<file path=ppt/slides/slide4.xml><?xml version="1.0" encoding="utf-8"?>
-<p:sld xmlns:a="http://schemas.openxmlformats.org/drawingml/2006/main" xmlns:r="http://schemas.openxmlformats.org/officeDocument/2006/relationships" xmlns:p="http://schemas.openxmlformats.org/presentationml/2006/main">
-  <p:cSld>
-    <p:spTree>
-      <p:nvGrpSpPr>
-        <p:cNvPr id="1" name=""/>
-        <p:cNvGrpSpPr/>
-        <p:nvPr/>
-      </p:nvGrpSpPr>
-      <p:grpSpPr>
-        <a:xfrm>
-          <a:off x="0" y="0"/>
-          <a:ext cx="0" cy="0"/>
-          <a:chOff x="0" y="0"/>
-          <a:chExt cx="0" cy="0"/>
-        </a:xfrm>
-      </p:grpSpPr>
-      <p:sp>
-        <p:nvSpPr>
-          <p:cNvPr id="2" name="Title 1"/>
-          <p:cNvSpPr>
-            <a:spLocks noGrp="1"/>
-          </p:cNvSpPr>
-          <p:nvPr>
-            <p:ph type="title"/>
-          </p:nvPr>
-        </p:nvSpPr>
-        <p:spPr/>
-        <p:txBody>
-          <a:bodyPr/>
-          <a:lstStyle/>
-          <a:p>
-            <a:r>
-              <a:rPr lang="en-US" smtClean="0"/>
-              <a:t>123132</a:t>
-            </a:r>
-            <a:endParaRPr lang="en-US"/>
-          </a:p>
-        </p:txBody>
-      </p:sp>
-      <p:sp>
-        <p:nvSpPr>
-          <p:cNvPr id="3" name="Content Placeholder 2"/>
-          <p:cNvSpPr>
-            <a:spLocks noGrp="1"/>
-          </p:cNvSpPr>
-          <p:nvPr>
-            <p:ph idx="1"/>
-          </p:nvPr>
-        </p:nvSpPr>
-        <p:spPr/>
-        <p:txBody>
-          <a:bodyPr/>
-          <a:lstStyle/>
-          <a:p>
-            <a:r>
-              <a:rPr lang="en-US" smtClean="0"/>
-              <a:t>Xàm lồn chứ hay</a:t>
-            </a:r>
-            <a:endParaRPr lang="en-US"/>
-          </a:p>
-        </p:txBody>
-      </p:sp>
-    </p:spTree>
-    <p:extLst>
-      <p:ext uri="{BB962C8B-B14F-4D97-AF65-F5344CB8AC3E}">
-        <p14:creationId xmlns:p14="http://schemas.microsoft.com/office/powerpoint/2010/main" val="4193858755"/>
       </p:ext>
     </p:extLst>
   </p:cSld>

--- a/Chào Lâm xồn.pptx
+++ b/Chào Lâm xồn.pptx
@@ -6,9 +6,6 @@
   </p:sldMasterIdLst>
   <p:sldIdLst>
     <p:sldId id="256" r:id="rId2"/>
-    <p:sldId id="257" r:id="rId3"/>
-    <p:sldId id="258" r:id="rId4"/>
-    <p:sldId id="259" r:id="rId5"/>
   </p:sldIdLst>
   <p:sldSz cx="9144000" cy="6858000" type="screen4x3"/>
   <p:notesSz cx="6858000" cy="9144000"/>
@@ -3153,6 +3150,10 @@
             <a:pPr marL="0" indent="0">
               <a:buNone/>
             </a:pPr>
+            <a:r>
+              <a:rPr lang="en-US" sz="2800" smtClean="0"/>
+              <a:t>Hihi chào nhé</a:t>
+            </a:r>
             <a:endParaRPr lang="en-US" sz="2800" smtClean="0"/>
           </a:p>
         </p:txBody>
@@ -3161,226 +3162,6 @@
     <p:extLst>
       <p:ext uri="{BB962C8B-B14F-4D97-AF65-F5344CB8AC3E}">
         <p14:creationId xmlns:p14="http://schemas.microsoft.com/office/powerpoint/2010/main" val="2551785061"/>
-      </p:ext>
-    </p:extLst>
-  </p:cSld>
-  <p:clrMapOvr>
-    <a:masterClrMapping/>
-  </p:clrMapOvr>
-</p:sld>
-</file>
-
-<file path=ppt/slides/slide2.xml><?xml version="1.0" encoding="utf-8"?>
-<p:sld xmlns:a="http://schemas.openxmlformats.org/drawingml/2006/main" xmlns:r="http://schemas.openxmlformats.org/officeDocument/2006/relationships" xmlns:p="http://schemas.openxmlformats.org/presentationml/2006/main">
-  <p:cSld>
-    <p:spTree>
-      <p:nvGrpSpPr>
-        <p:cNvPr id="1" name=""/>
-        <p:cNvGrpSpPr/>
-        <p:nvPr/>
-      </p:nvGrpSpPr>
-      <p:grpSpPr>
-        <a:xfrm>
-          <a:off x="0" y="0"/>
-          <a:ext cx="0" cy="0"/>
-          <a:chOff x="0" y="0"/>
-          <a:chExt cx="0" cy="0"/>
-        </a:xfrm>
-      </p:grpSpPr>
-      <p:sp>
-        <p:nvSpPr>
-          <p:cNvPr id="2" name="Title 1"/>
-          <p:cNvSpPr>
-            <a:spLocks noGrp="1"/>
-          </p:cNvSpPr>
-          <p:nvPr>
-            <p:ph type="ctrTitle"/>
-          </p:nvPr>
-        </p:nvSpPr>
-        <p:spPr/>
-        <p:txBody>
-          <a:bodyPr/>
-          <a:lstStyle/>
-          <a:p>
-            <a:r>
-              <a:rPr lang="en-US" smtClean="0"/>
-              <a:t>                   </a:t>
-            </a:r>
-            <a:endParaRPr lang="en-US"/>
-          </a:p>
-        </p:txBody>
-      </p:sp>
-      <p:sp>
-        <p:nvSpPr>
-          <p:cNvPr id="3" name="Subtitle 2"/>
-          <p:cNvSpPr>
-            <a:spLocks noGrp="1"/>
-          </p:cNvSpPr>
-          <p:nvPr>
-            <p:ph type="subTitle" idx="1"/>
-          </p:nvPr>
-        </p:nvSpPr>
-        <p:spPr/>
-        <p:txBody>
-          <a:bodyPr/>
-          <a:lstStyle/>
-          <a:p>
-            <a:r>
-              <a:rPr lang="en-US" dirty="0" err="1" smtClean="0"/>
-              <a:t>awdwdawdwd</a:t>
-            </a:r>
-            <a:endParaRPr lang="en-US" dirty="0"/>
-          </a:p>
-        </p:txBody>
-      </p:sp>
-    </p:spTree>
-    <p:extLst>
-      <p:ext uri="{BB962C8B-B14F-4D97-AF65-F5344CB8AC3E}">
-        <p14:creationId xmlns:p14="http://schemas.microsoft.com/office/powerpoint/2010/main" val="40471610"/>
-      </p:ext>
-    </p:extLst>
-  </p:cSld>
-  <p:clrMapOvr>
-    <a:masterClrMapping/>
-  </p:clrMapOvr>
-</p:sld>
-</file>
-
-<file path=ppt/slides/slide3.xml><?xml version="1.0" encoding="utf-8"?>
-<p:sld xmlns:a="http://schemas.openxmlformats.org/drawingml/2006/main" xmlns:r="http://schemas.openxmlformats.org/officeDocument/2006/relationships" xmlns:p="http://schemas.openxmlformats.org/presentationml/2006/main">
-  <p:cSld>
-    <p:spTree>
-      <p:nvGrpSpPr>
-        <p:cNvPr id="1" name=""/>
-        <p:cNvGrpSpPr/>
-        <p:nvPr/>
-      </p:nvGrpSpPr>
-      <p:grpSpPr>
-        <a:xfrm>
-          <a:off x="0" y="0"/>
-          <a:ext cx="0" cy="0"/>
-          <a:chOff x="0" y="0"/>
-          <a:chExt cx="0" cy="0"/>
-        </a:xfrm>
-      </p:grpSpPr>
-      <p:sp>
-        <p:nvSpPr>
-          <p:cNvPr id="2" name="Title 1"/>
-          <p:cNvSpPr>
-            <a:spLocks noGrp="1"/>
-          </p:cNvSpPr>
-          <p:nvPr>
-            <p:ph type="title"/>
-          </p:nvPr>
-        </p:nvSpPr>
-        <p:spPr/>
-        <p:txBody>
-          <a:bodyPr/>
-          <a:lstStyle/>
-          <a:p>
-            <a:endParaRPr lang="en-US"/>
-          </a:p>
-        </p:txBody>
-      </p:sp>
-      <p:sp>
-        <p:nvSpPr>
-          <p:cNvPr id="3" name="Content Placeholder 2"/>
-          <p:cNvSpPr>
-            <a:spLocks noGrp="1"/>
-          </p:cNvSpPr>
-          <p:nvPr>
-            <p:ph idx="1"/>
-          </p:nvPr>
-        </p:nvSpPr>
-        <p:spPr/>
-        <p:txBody>
-          <a:bodyPr/>
-          <a:lstStyle/>
-          <a:p>
-            <a:endParaRPr lang="en-US"/>
-          </a:p>
-        </p:txBody>
-      </p:sp>
-    </p:spTree>
-    <p:extLst>
-      <p:ext uri="{BB962C8B-B14F-4D97-AF65-F5344CB8AC3E}">
-        <p14:creationId xmlns:p14="http://schemas.microsoft.com/office/powerpoint/2010/main" val="3260491234"/>
-      </p:ext>
-    </p:extLst>
-  </p:cSld>
-  <p:clrMapOvr>
-    <a:masterClrMapping/>
-  </p:clrMapOvr>
-</p:sld>
-</file>
-
-<file path=ppt/slides/slide4.xml><?xml version="1.0" encoding="utf-8"?>
-<p:sld xmlns:a="http://schemas.openxmlformats.org/drawingml/2006/main" xmlns:r="http://schemas.openxmlformats.org/officeDocument/2006/relationships" xmlns:p="http://schemas.openxmlformats.org/presentationml/2006/main">
-  <p:cSld>
-    <p:spTree>
-      <p:nvGrpSpPr>
-        <p:cNvPr id="1" name=""/>
-        <p:cNvGrpSpPr/>
-        <p:nvPr/>
-      </p:nvGrpSpPr>
-      <p:grpSpPr>
-        <a:xfrm>
-          <a:off x="0" y="0"/>
-          <a:ext cx="0" cy="0"/>
-          <a:chOff x="0" y="0"/>
-          <a:chExt cx="0" cy="0"/>
-        </a:xfrm>
-      </p:grpSpPr>
-      <p:sp>
-        <p:nvSpPr>
-          <p:cNvPr id="2" name="Title 1"/>
-          <p:cNvSpPr>
-            <a:spLocks noGrp="1"/>
-          </p:cNvSpPr>
-          <p:nvPr>
-            <p:ph type="title"/>
-          </p:nvPr>
-        </p:nvSpPr>
-        <p:spPr/>
-        <p:txBody>
-          <a:bodyPr/>
-          <a:lstStyle/>
-          <a:p>
-            <a:r>
-              <a:rPr lang="en-US" smtClean="0"/>
-              <a:t>123132</a:t>
-            </a:r>
-            <a:endParaRPr lang="en-US"/>
-          </a:p>
-        </p:txBody>
-      </p:sp>
-      <p:sp>
-        <p:nvSpPr>
-          <p:cNvPr id="3" name="Content Placeholder 2"/>
-          <p:cNvSpPr>
-            <a:spLocks noGrp="1"/>
-          </p:cNvSpPr>
-          <p:nvPr>
-            <p:ph idx="1"/>
-          </p:nvPr>
-        </p:nvSpPr>
-        <p:spPr/>
-        <p:txBody>
-          <a:bodyPr/>
-          <a:lstStyle/>
-          <a:p>
-            <a:r>
-              <a:rPr lang="en-US" smtClean="0"/>
-              <a:t>Xàm lồn chứ hay</a:t>
-            </a:r>
-            <a:endParaRPr lang="en-US"/>
-          </a:p>
-        </p:txBody>
-      </p:sp>
-    </p:spTree>
-    <p:extLst>
-      <p:ext uri="{BB962C8B-B14F-4D97-AF65-F5344CB8AC3E}">
-        <p14:creationId xmlns:p14="http://schemas.microsoft.com/office/powerpoint/2010/main" val="4193858755"/>
       </p:ext>
     </p:extLst>
   </p:cSld>
